--- a/Outline Presentasi.pptx
+++ b/Outline Presentasi.pptx
@@ -167,7 +167,7 @@
           <p:cNvPr id="2" name="Title 1">
             <a:extLst>
               <a:ext uri="{FF2B5EF4-FFF2-40B4-BE49-F238E27FC236}">
-                <a16:creationId xmlns="" xmlns:a16="http://schemas.microsoft.com/office/drawing/2014/main" id="{2D1F2375-E70D-4CCB-A6B4-996D0F8A7F9B}"/>
+                <a16:creationId xmlns:a16="http://schemas.microsoft.com/office/drawing/2014/main" xmlns="" id="{2D1F2375-E70D-4CCB-A6B4-996D0F8A7F9B}"/>
               </a:ext>
             </a:extLst>
           </p:cNvPr>
@@ -204,7 +204,7 @@
           <p:cNvPr id="3" name="Subtitle 2">
             <a:extLst>
               <a:ext uri="{FF2B5EF4-FFF2-40B4-BE49-F238E27FC236}">
-                <a16:creationId xmlns="" xmlns:a16="http://schemas.microsoft.com/office/drawing/2014/main" id="{F9A2D2DC-7CFD-4710-A6A5-637C276ABE87}"/>
+                <a16:creationId xmlns:a16="http://schemas.microsoft.com/office/drawing/2014/main" xmlns="" id="{F9A2D2DC-7CFD-4710-A6A5-637C276ABE87}"/>
               </a:ext>
             </a:extLst>
           </p:cNvPr>
@@ -274,7 +274,7 @@
           <p:cNvPr id="4" name="Date Placeholder 3">
             <a:extLst>
               <a:ext uri="{FF2B5EF4-FFF2-40B4-BE49-F238E27FC236}">
-                <a16:creationId xmlns="" xmlns:a16="http://schemas.microsoft.com/office/drawing/2014/main" id="{7BD7A59D-1BA9-4B3E-8B12-825E7301EDFC}"/>
+                <a16:creationId xmlns:a16="http://schemas.microsoft.com/office/drawing/2014/main" xmlns="" id="{7BD7A59D-1BA9-4B3E-8B12-825E7301EDFC}"/>
               </a:ext>
             </a:extLst>
           </p:cNvPr>
@@ -292,7 +292,7 @@
           <a:p>
             <a:fld id="{78C26053-F5DF-45C8-A8CD-E700628807D8}" type="datetimeFigureOut">
               <a:rPr lang="en-US" smtClean="0"/>
-              <a:t>10/14/2019</a:t>
+              <a:t>10/15/2019</a:t>
             </a:fld>
             <a:endParaRPr lang="en-US"/>
           </a:p>
@@ -303,7 +303,7 @@
           <p:cNvPr id="5" name="Footer Placeholder 4">
             <a:extLst>
               <a:ext uri="{FF2B5EF4-FFF2-40B4-BE49-F238E27FC236}">
-                <a16:creationId xmlns="" xmlns:a16="http://schemas.microsoft.com/office/drawing/2014/main" id="{7ABF90B3-CF7E-4AE4-BFC3-9137EA766AB6}"/>
+                <a16:creationId xmlns:a16="http://schemas.microsoft.com/office/drawing/2014/main" xmlns="" id="{7ABF90B3-CF7E-4AE4-BFC3-9137EA766AB6}"/>
               </a:ext>
             </a:extLst>
           </p:cNvPr>
@@ -328,7 +328,7 @@
           <p:cNvPr id="6" name="Slide Number Placeholder 5">
             <a:extLst>
               <a:ext uri="{FF2B5EF4-FFF2-40B4-BE49-F238E27FC236}">
-                <a16:creationId xmlns="" xmlns:a16="http://schemas.microsoft.com/office/drawing/2014/main" id="{84BAC492-1263-4EC9-9379-ECC50BE2D470}"/>
+                <a16:creationId xmlns:a16="http://schemas.microsoft.com/office/drawing/2014/main" xmlns="" id="{84BAC492-1263-4EC9-9379-ECC50BE2D470}"/>
               </a:ext>
             </a:extLst>
           </p:cNvPr>
@@ -387,7 +387,7 @@
           <p:cNvPr id="2" name="Title 1">
             <a:extLst>
               <a:ext uri="{FF2B5EF4-FFF2-40B4-BE49-F238E27FC236}">
-                <a16:creationId xmlns="" xmlns:a16="http://schemas.microsoft.com/office/drawing/2014/main" id="{D03D2251-9F6C-4AB8-9A16-FFA6EA22FF65}"/>
+                <a16:creationId xmlns:a16="http://schemas.microsoft.com/office/drawing/2014/main" xmlns="" id="{D03D2251-9F6C-4AB8-9A16-FFA6EA22FF65}"/>
               </a:ext>
             </a:extLst>
           </p:cNvPr>
@@ -415,7 +415,7 @@
           <p:cNvPr id="3" name="Vertical Text Placeholder 2">
             <a:extLst>
               <a:ext uri="{FF2B5EF4-FFF2-40B4-BE49-F238E27FC236}">
-                <a16:creationId xmlns="" xmlns:a16="http://schemas.microsoft.com/office/drawing/2014/main" id="{57BFF13D-C166-4B5A-B309-C0FBA3BC2C80}"/>
+                <a16:creationId xmlns:a16="http://schemas.microsoft.com/office/drawing/2014/main" xmlns="" id="{57BFF13D-C166-4B5A-B309-C0FBA3BC2C80}"/>
               </a:ext>
             </a:extLst>
           </p:cNvPr>
@@ -472,7 +472,7 @@
           <p:cNvPr id="4" name="Date Placeholder 3">
             <a:extLst>
               <a:ext uri="{FF2B5EF4-FFF2-40B4-BE49-F238E27FC236}">
-                <a16:creationId xmlns="" xmlns:a16="http://schemas.microsoft.com/office/drawing/2014/main" id="{F8DD9ED8-6104-4C97-9E24-9226D04CACAA}"/>
+                <a16:creationId xmlns:a16="http://schemas.microsoft.com/office/drawing/2014/main" xmlns="" id="{F8DD9ED8-6104-4C97-9E24-9226D04CACAA}"/>
               </a:ext>
             </a:extLst>
           </p:cNvPr>
@@ -490,7 +490,7 @@
           <a:p>
             <a:fld id="{78C26053-F5DF-45C8-A8CD-E700628807D8}" type="datetimeFigureOut">
               <a:rPr lang="en-US" smtClean="0"/>
-              <a:t>10/14/2019</a:t>
+              <a:t>10/15/2019</a:t>
             </a:fld>
             <a:endParaRPr lang="en-US"/>
           </a:p>
@@ -501,7 +501,7 @@
           <p:cNvPr id="5" name="Footer Placeholder 4">
             <a:extLst>
               <a:ext uri="{FF2B5EF4-FFF2-40B4-BE49-F238E27FC236}">
-                <a16:creationId xmlns="" xmlns:a16="http://schemas.microsoft.com/office/drawing/2014/main" id="{17FDFBD7-69DA-49E6-971A-DD7D1830BA4B}"/>
+                <a16:creationId xmlns:a16="http://schemas.microsoft.com/office/drawing/2014/main" xmlns="" id="{17FDFBD7-69DA-49E6-971A-DD7D1830BA4B}"/>
               </a:ext>
             </a:extLst>
           </p:cNvPr>
@@ -526,7 +526,7 @@
           <p:cNvPr id="6" name="Slide Number Placeholder 5">
             <a:extLst>
               <a:ext uri="{FF2B5EF4-FFF2-40B4-BE49-F238E27FC236}">
-                <a16:creationId xmlns="" xmlns:a16="http://schemas.microsoft.com/office/drawing/2014/main" id="{7F2C2916-5FFC-4A94-873C-448E18F89A89}"/>
+                <a16:creationId xmlns:a16="http://schemas.microsoft.com/office/drawing/2014/main" xmlns="" id="{7F2C2916-5FFC-4A94-873C-448E18F89A89}"/>
               </a:ext>
             </a:extLst>
           </p:cNvPr>
@@ -585,7 +585,7 @@
           <p:cNvPr id="2" name="Vertical Title 1">
             <a:extLst>
               <a:ext uri="{FF2B5EF4-FFF2-40B4-BE49-F238E27FC236}">
-                <a16:creationId xmlns="" xmlns:a16="http://schemas.microsoft.com/office/drawing/2014/main" id="{A80CCDE3-B2EE-4B8B-ACA5-3622B6E0E5B1}"/>
+                <a16:creationId xmlns:a16="http://schemas.microsoft.com/office/drawing/2014/main" xmlns="" id="{A80CCDE3-B2EE-4B8B-ACA5-3622B6E0E5B1}"/>
               </a:ext>
             </a:extLst>
           </p:cNvPr>
@@ -618,7 +618,7 @@
           <p:cNvPr id="3" name="Vertical Text Placeholder 2">
             <a:extLst>
               <a:ext uri="{FF2B5EF4-FFF2-40B4-BE49-F238E27FC236}">
-                <a16:creationId xmlns="" xmlns:a16="http://schemas.microsoft.com/office/drawing/2014/main" id="{D0165049-C8C0-4D33-81BD-3BA1FD20A194}"/>
+                <a16:creationId xmlns:a16="http://schemas.microsoft.com/office/drawing/2014/main" xmlns="" id="{D0165049-C8C0-4D33-81BD-3BA1FD20A194}"/>
               </a:ext>
             </a:extLst>
           </p:cNvPr>
@@ -680,7 +680,7 @@
           <p:cNvPr id="4" name="Date Placeholder 3">
             <a:extLst>
               <a:ext uri="{FF2B5EF4-FFF2-40B4-BE49-F238E27FC236}">
-                <a16:creationId xmlns="" xmlns:a16="http://schemas.microsoft.com/office/drawing/2014/main" id="{1C13A3D3-20F2-40BF-9419-E7526B2682FF}"/>
+                <a16:creationId xmlns:a16="http://schemas.microsoft.com/office/drawing/2014/main" xmlns="" id="{1C13A3D3-20F2-40BF-9419-E7526B2682FF}"/>
               </a:ext>
             </a:extLst>
           </p:cNvPr>
@@ -698,7 +698,7 @@
           <a:p>
             <a:fld id="{78C26053-F5DF-45C8-A8CD-E700628807D8}" type="datetimeFigureOut">
               <a:rPr lang="en-US" smtClean="0"/>
-              <a:t>10/14/2019</a:t>
+              <a:t>10/15/2019</a:t>
             </a:fld>
             <a:endParaRPr lang="en-US"/>
           </a:p>
@@ -709,7 +709,7 @@
           <p:cNvPr id="5" name="Footer Placeholder 4">
             <a:extLst>
               <a:ext uri="{FF2B5EF4-FFF2-40B4-BE49-F238E27FC236}">
-                <a16:creationId xmlns="" xmlns:a16="http://schemas.microsoft.com/office/drawing/2014/main" id="{132C7D69-7AAC-41DB-9338-5EA6DD2CE0E4}"/>
+                <a16:creationId xmlns:a16="http://schemas.microsoft.com/office/drawing/2014/main" xmlns="" id="{132C7D69-7AAC-41DB-9338-5EA6DD2CE0E4}"/>
               </a:ext>
             </a:extLst>
           </p:cNvPr>
@@ -734,7 +734,7 @@
           <p:cNvPr id="6" name="Slide Number Placeholder 5">
             <a:extLst>
               <a:ext uri="{FF2B5EF4-FFF2-40B4-BE49-F238E27FC236}">
-                <a16:creationId xmlns="" xmlns:a16="http://schemas.microsoft.com/office/drawing/2014/main" id="{E7197B74-3E6F-4A03-9F80-94182B3E24B0}"/>
+                <a16:creationId xmlns:a16="http://schemas.microsoft.com/office/drawing/2014/main" xmlns="" id="{E7197B74-3E6F-4A03-9F80-94182B3E24B0}"/>
               </a:ext>
             </a:extLst>
           </p:cNvPr>
@@ -793,7 +793,7 @@
           <p:cNvPr id="2" name="Title 1">
             <a:extLst>
               <a:ext uri="{FF2B5EF4-FFF2-40B4-BE49-F238E27FC236}">
-                <a16:creationId xmlns="" xmlns:a16="http://schemas.microsoft.com/office/drawing/2014/main" id="{5FE6C135-11F5-43E2-9453-744E61528657}"/>
+                <a16:creationId xmlns:a16="http://schemas.microsoft.com/office/drawing/2014/main" xmlns="" id="{5FE6C135-11F5-43E2-9453-744E61528657}"/>
               </a:ext>
             </a:extLst>
           </p:cNvPr>
@@ -821,7 +821,7 @@
           <p:cNvPr id="3" name="Content Placeholder 2">
             <a:extLst>
               <a:ext uri="{FF2B5EF4-FFF2-40B4-BE49-F238E27FC236}">
-                <a16:creationId xmlns="" xmlns:a16="http://schemas.microsoft.com/office/drawing/2014/main" id="{AF1FB910-01D9-4B1D-BCE6-9CAE9FC3AF96}"/>
+                <a16:creationId xmlns:a16="http://schemas.microsoft.com/office/drawing/2014/main" xmlns="" id="{AF1FB910-01D9-4B1D-BCE6-9CAE9FC3AF96}"/>
               </a:ext>
             </a:extLst>
           </p:cNvPr>
@@ -878,7 +878,7 @@
           <p:cNvPr id="4" name="Date Placeholder 3">
             <a:extLst>
               <a:ext uri="{FF2B5EF4-FFF2-40B4-BE49-F238E27FC236}">
-                <a16:creationId xmlns="" xmlns:a16="http://schemas.microsoft.com/office/drawing/2014/main" id="{B8E6AB82-7734-43B3-9013-1B5E4D2B115E}"/>
+                <a16:creationId xmlns:a16="http://schemas.microsoft.com/office/drawing/2014/main" xmlns="" id="{B8E6AB82-7734-43B3-9013-1B5E4D2B115E}"/>
               </a:ext>
             </a:extLst>
           </p:cNvPr>
@@ -896,7 +896,7 @@
           <a:p>
             <a:fld id="{78C26053-F5DF-45C8-A8CD-E700628807D8}" type="datetimeFigureOut">
               <a:rPr lang="en-US" smtClean="0"/>
-              <a:t>10/14/2019</a:t>
+              <a:t>10/15/2019</a:t>
             </a:fld>
             <a:endParaRPr lang="en-US"/>
           </a:p>
@@ -907,7 +907,7 @@
           <p:cNvPr id="5" name="Footer Placeholder 4">
             <a:extLst>
               <a:ext uri="{FF2B5EF4-FFF2-40B4-BE49-F238E27FC236}">
-                <a16:creationId xmlns="" xmlns:a16="http://schemas.microsoft.com/office/drawing/2014/main" id="{7A4CF6C1-33D8-4CCC-8290-EE1254B38282}"/>
+                <a16:creationId xmlns:a16="http://schemas.microsoft.com/office/drawing/2014/main" xmlns="" id="{7A4CF6C1-33D8-4CCC-8290-EE1254B38282}"/>
               </a:ext>
             </a:extLst>
           </p:cNvPr>
@@ -932,7 +932,7 @@
           <p:cNvPr id="6" name="Slide Number Placeholder 5">
             <a:extLst>
               <a:ext uri="{FF2B5EF4-FFF2-40B4-BE49-F238E27FC236}">
-                <a16:creationId xmlns="" xmlns:a16="http://schemas.microsoft.com/office/drawing/2014/main" id="{B396AE30-B9C8-4331-92A3-4B5BFE626B96}"/>
+                <a16:creationId xmlns:a16="http://schemas.microsoft.com/office/drawing/2014/main" xmlns="" id="{B396AE30-B9C8-4331-92A3-4B5BFE626B96}"/>
               </a:ext>
             </a:extLst>
           </p:cNvPr>
@@ -991,7 +991,7 @@
           <p:cNvPr id="2" name="Title 1">
             <a:extLst>
               <a:ext uri="{FF2B5EF4-FFF2-40B4-BE49-F238E27FC236}">
-                <a16:creationId xmlns="" xmlns:a16="http://schemas.microsoft.com/office/drawing/2014/main" id="{174EE058-03A5-4E8C-8AF0-4A2A28FB8F95}"/>
+                <a16:creationId xmlns:a16="http://schemas.microsoft.com/office/drawing/2014/main" xmlns="" id="{174EE058-03A5-4E8C-8AF0-4A2A28FB8F95}"/>
               </a:ext>
             </a:extLst>
           </p:cNvPr>
@@ -1028,7 +1028,7 @@
           <p:cNvPr id="3" name="Text Placeholder 2">
             <a:extLst>
               <a:ext uri="{FF2B5EF4-FFF2-40B4-BE49-F238E27FC236}">
-                <a16:creationId xmlns="" xmlns:a16="http://schemas.microsoft.com/office/drawing/2014/main" id="{D068921F-2BFD-456C-A50A-3FA6CC9637AB}"/>
+                <a16:creationId xmlns:a16="http://schemas.microsoft.com/office/drawing/2014/main" xmlns="" id="{D068921F-2BFD-456C-A50A-3FA6CC9637AB}"/>
               </a:ext>
             </a:extLst>
           </p:cNvPr>
@@ -1153,7 +1153,7 @@
           <p:cNvPr id="4" name="Date Placeholder 3">
             <a:extLst>
               <a:ext uri="{FF2B5EF4-FFF2-40B4-BE49-F238E27FC236}">
-                <a16:creationId xmlns="" xmlns:a16="http://schemas.microsoft.com/office/drawing/2014/main" id="{7061A39F-3789-4F5E-9EEA-60F46B46A47B}"/>
+                <a16:creationId xmlns:a16="http://schemas.microsoft.com/office/drawing/2014/main" xmlns="" id="{7061A39F-3789-4F5E-9EEA-60F46B46A47B}"/>
               </a:ext>
             </a:extLst>
           </p:cNvPr>
@@ -1171,7 +1171,7 @@
           <a:p>
             <a:fld id="{78C26053-F5DF-45C8-A8CD-E700628807D8}" type="datetimeFigureOut">
               <a:rPr lang="en-US" smtClean="0"/>
-              <a:t>10/14/2019</a:t>
+              <a:t>10/15/2019</a:t>
             </a:fld>
             <a:endParaRPr lang="en-US"/>
           </a:p>
@@ -1182,7 +1182,7 @@
           <p:cNvPr id="5" name="Footer Placeholder 4">
             <a:extLst>
               <a:ext uri="{FF2B5EF4-FFF2-40B4-BE49-F238E27FC236}">
-                <a16:creationId xmlns="" xmlns:a16="http://schemas.microsoft.com/office/drawing/2014/main" id="{5ECF06E0-01EC-4232-98E3-AA5703FB6A06}"/>
+                <a16:creationId xmlns:a16="http://schemas.microsoft.com/office/drawing/2014/main" xmlns="" id="{5ECF06E0-01EC-4232-98E3-AA5703FB6A06}"/>
               </a:ext>
             </a:extLst>
           </p:cNvPr>
@@ -1207,7 +1207,7 @@
           <p:cNvPr id="6" name="Slide Number Placeholder 5">
             <a:extLst>
               <a:ext uri="{FF2B5EF4-FFF2-40B4-BE49-F238E27FC236}">
-                <a16:creationId xmlns="" xmlns:a16="http://schemas.microsoft.com/office/drawing/2014/main" id="{3B2517EF-6BE8-4956-ABC7-110D138B9B2A}"/>
+                <a16:creationId xmlns:a16="http://schemas.microsoft.com/office/drawing/2014/main" xmlns="" id="{3B2517EF-6BE8-4956-ABC7-110D138B9B2A}"/>
               </a:ext>
             </a:extLst>
           </p:cNvPr>
@@ -1266,7 +1266,7 @@
           <p:cNvPr id="2" name="Title 1">
             <a:extLst>
               <a:ext uri="{FF2B5EF4-FFF2-40B4-BE49-F238E27FC236}">
-                <a16:creationId xmlns="" xmlns:a16="http://schemas.microsoft.com/office/drawing/2014/main" id="{F0C0D02E-3AA5-44F3-8BB9-4D32592BE33F}"/>
+                <a16:creationId xmlns:a16="http://schemas.microsoft.com/office/drawing/2014/main" xmlns="" id="{F0C0D02E-3AA5-44F3-8BB9-4D32592BE33F}"/>
               </a:ext>
             </a:extLst>
           </p:cNvPr>
@@ -1294,7 +1294,7 @@
           <p:cNvPr id="3" name="Content Placeholder 2">
             <a:extLst>
               <a:ext uri="{FF2B5EF4-FFF2-40B4-BE49-F238E27FC236}">
-                <a16:creationId xmlns="" xmlns:a16="http://schemas.microsoft.com/office/drawing/2014/main" id="{3B1A97A1-DA2E-4819-9409-D4DA1D227CA5}"/>
+                <a16:creationId xmlns:a16="http://schemas.microsoft.com/office/drawing/2014/main" xmlns="" id="{3B1A97A1-DA2E-4819-9409-D4DA1D227CA5}"/>
               </a:ext>
             </a:extLst>
           </p:cNvPr>
@@ -1356,7 +1356,7 @@
           <p:cNvPr id="4" name="Content Placeholder 3">
             <a:extLst>
               <a:ext uri="{FF2B5EF4-FFF2-40B4-BE49-F238E27FC236}">
-                <a16:creationId xmlns="" xmlns:a16="http://schemas.microsoft.com/office/drawing/2014/main" id="{4F6973B2-42F9-49DB-AFD5-CAD6ABDB8E8B}"/>
+                <a16:creationId xmlns:a16="http://schemas.microsoft.com/office/drawing/2014/main" xmlns="" id="{4F6973B2-42F9-49DB-AFD5-CAD6ABDB8E8B}"/>
               </a:ext>
             </a:extLst>
           </p:cNvPr>
@@ -1418,7 +1418,7 @@
           <p:cNvPr id="5" name="Date Placeholder 4">
             <a:extLst>
               <a:ext uri="{FF2B5EF4-FFF2-40B4-BE49-F238E27FC236}">
-                <a16:creationId xmlns="" xmlns:a16="http://schemas.microsoft.com/office/drawing/2014/main" id="{222879FD-6A26-42E0-84F0-5473E6B4B063}"/>
+                <a16:creationId xmlns:a16="http://schemas.microsoft.com/office/drawing/2014/main" xmlns="" id="{222879FD-6A26-42E0-84F0-5473E6B4B063}"/>
               </a:ext>
             </a:extLst>
           </p:cNvPr>
@@ -1436,7 +1436,7 @@
           <a:p>
             <a:fld id="{78C26053-F5DF-45C8-A8CD-E700628807D8}" type="datetimeFigureOut">
               <a:rPr lang="en-US" smtClean="0"/>
-              <a:t>10/14/2019</a:t>
+              <a:t>10/15/2019</a:t>
             </a:fld>
             <a:endParaRPr lang="en-US"/>
           </a:p>
@@ -1447,7 +1447,7 @@
           <p:cNvPr id="6" name="Footer Placeholder 5">
             <a:extLst>
               <a:ext uri="{FF2B5EF4-FFF2-40B4-BE49-F238E27FC236}">
-                <a16:creationId xmlns="" xmlns:a16="http://schemas.microsoft.com/office/drawing/2014/main" id="{F317E981-06B8-48FA-900E-603635A2976C}"/>
+                <a16:creationId xmlns:a16="http://schemas.microsoft.com/office/drawing/2014/main" xmlns="" id="{F317E981-06B8-48FA-900E-603635A2976C}"/>
               </a:ext>
             </a:extLst>
           </p:cNvPr>
@@ -1472,7 +1472,7 @@
           <p:cNvPr id="7" name="Slide Number Placeholder 6">
             <a:extLst>
               <a:ext uri="{FF2B5EF4-FFF2-40B4-BE49-F238E27FC236}">
-                <a16:creationId xmlns="" xmlns:a16="http://schemas.microsoft.com/office/drawing/2014/main" id="{A7F41B34-1D86-437E-8233-B4A3D5488197}"/>
+                <a16:creationId xmlns:a16="http://schemas.microsoft.com/office/drawing/2014/main" xmlns="" id="{A7F41B34-1D86-437E-8233-B4A3D5488197}"/>
               </a:ext>
             </a:extLst>
           </p:cNvPr>
@@ -1531,7 +1531,7 @@
           <p:cNvPr id="2" name="Title 1">
             <a:extLst>
               <a:ext uri="{FF2B5EF4-FFF2-40B4-BE49-F238E27FC236}">
-                <a16:creationId xmlns="" xmlns:a16="http://schemas.microsoft.com/office/drawing/2014/main" id="{2EBAF844-7943-4999-9404-FDE9A9FF0601}"/>
+                <a16:creationId xmlns:a16="http://schemas.microsoft.com/office/drawing/2014/main" xmlns="" id="{2EBAF844-7943-4999-9404-FDE9A9FF0601}"/>
               </a:ext>
             </a:extLst>
           </p:cNvPr>
@@ -1564,7 +1564,7 @@
           <p:cNvPr id="3" name="Text Placeholder 2">
             <a:extLst>
               <a:ext uri="{FF2B5EF4-FFF2-40B4-BE49-F238E27FC236}">
-                <a16:creationId xmlns="" xmlns:a16="http://schemas.microsoft.com/office/drawing/2014/main" id="{2B6D0304-F199-4A12-99F4-B80EA776375C}"/>
+                <a16:creationId xmlns:a16="http://schemas.microsoft.com/office/drawing/2014/main" xmlns="" id="{2B6D0304-F199-4A12-99F4-B80EA776375C}"/>
               </a:ext>
             </a:extLst>
           </p:cNvPr>
@@ -1635,7 +1635,7 @@
           <p:cNvPr id="4" name="Content Placeholder 3">
             <a:extLst>
               <a:ext uri="{FF2B5EF4-FFF2-40B4-BE49-F238E27FC236}">
-                <a16:creationId xmlns="" xmlns:a16="http://schemas.microsoft.com/office/drawing/2014/main" id="{9F06599C-1C21-4736-A04B-05E1722744BC}"/>
+                <a16:creationId xmlns:a16="http://schemas.microsoft.com/office/drawing/2014/main" xmlns="" id="{9F06599C-1C21-4736-A04B-05E1722744BC}"/>
               </a:ext>
             </a:extLst>
           </p:cNvPr>
@@ -1697,7 +1697,7 @@
           <p:cNvPr id="5" name="Text Placeholder 4">
             <a:extLst>
               <a:ext uri="{FF2B5EF4-FFF2-40B4-BE49-F238E27FC236}">
-                <a16:creationId xmlns="" xmlns:a16="http://schemas.microsoft.com/office/drawing/2014/main" id="{97AEEDF1-16D9-437F-8987-A10714971D70}"/>
+                <a16:creationId xmlns:a16="http://schemas.microsoft.com/office/drawing/2014/main" xmlns="" id="{97AEEDF1-16D9-437F-8987-A10714971D70}"/>
               </a:ext>
             </a:extLst>
           </p:cNvPr>
@@ -1768,7 +1768,7 @@
           <p:cNvPr id="6" name="Content Placeholder 5">
             <a:extLst>
               <a:ext uri="{FF2B5EF4-FFF2-40B4-BE49-F238E27FC236}">
-                <a16:creationId xmlns="" xmlns:a16="http://schemas.microsoft.com/office/drawing/2014/main" id="{37B74F17-BC31-4778-9F62-380EE2AD1489}"/>
+                <a16:creationId xmlns:a16="http://schemas.microsoft.com/office/drawing/2014/main" xmlns="" id="{37B74F17-BC31-4778-9F62-380EE2AD1489}"/>
               </a:ext>
             </a:extLst>
           </p:cNvPr>
@@ -1830,7 +1830,7 @@
           <p:cNvPr id="7" name="Date Placeholder 6">
             <a:extLst>
               <a:ext uri="{FF2B5EF4-FFF2-40B4-BE49-F238E27FC236}">
-                <a16:creationId xmlns="" xmlns:a16="http://schemas.microsoft.com/office/drawing/2014/main" id="{B019F2A2-D5D1-4AD1-8058-B849A0B2FD0E}"/>
+                <a16:creationId xmlns:a16="http://schemas.microsoft.com/office/drawing/2014/main" xmlns="" id="{B019F2A2-D5D1-4AD1-8058-B849A0B2FD0E}"/>
               </a:ext>
             </a:extLst>
           </p:cNvPr>
@@ -1848,7 +1848,7 @@
           <a:p>
             <a:fld id="{78C26053-F5DF-45C8-A8CD-E700628807D8}" type="datetimeFigureOut">
               <a:rPr lang="en-US" smtClean="0"/>
-              <a:t>10/14/2019</a:t>
+              <a:t>10/15/2019</a:t>
             </a:fld>
             <a:endParaRPr lang="en-US"/>
           </a:p>
@@ -1859,7 +1859,7 @@
           <p:cNvPr id="8" name="Footer Placeholder 7">
             <a:extLst>
               <a:ext uri="{FF2B5EF4-FFF2-40B4-BE49-F238E27FC236}">
-                <a16:creationId xmlns="" xmlns:a16="http://schemas.microsoft.com/office/drawing/2014/main" id="{2F812995-6F0D-4DA6-9C12-62E46CDD1C00}"/>
+                <a16:creationId xmlns:a16="http://schemas.microsoft.com/office/drawing/2014/main" xmlns="" id="{2F812995-6F0D-4DA6-9C12-62E46CDD1C00}"/>
               </a:ext>
             </a:extLst>
           </p:cNvPr>
@@ -1884,7 +1884,7 @@
           <p:cNvPr id="9" name="Slide Number Placeholder 8">
             <a:extLst>
               <a:ext uri="{FF2B5EF4-FFF2-40B4-BE49-F238E27FC236}">
-                <a16:creationId xmlns="" xmlns:a16="http://schemas.microsoft.com/office/drawing/2014/main" id="{A87D16E3-B5DC-4FB0-8EF0-DF190989F7B9}"/>
+                <a16:creationId xmlns:a16="http://schemas.microsoft.com/office/drawing/2014/main" xmlns="" id="{A87D16E3-B5DC-4FB0-8EF0-DF190989F7B9}"/>
               </a:ext>
             </a:extLst>
           </p:cNvPr>
@@ -1943,7 +1943,7 @@
           <p:cNvPr id="2" name="Title 1">
             <a:extLst>
               <a:ext uri="{FF2B5EF4-FFF2-40B4-BE49-F238E27FC236}">
-                <a16:creationId xmlns="" xmlns:a16="http://schemas.microsoft.com/office/drawing/2014/main" id="{8330D132-F828-4D4C-9241-EDF7103FACC7}"/>
+                <a16:creationId xmlns:a16="http://schemas.microsoft.com/office/drawing/2014/main" xmlns="" id="{8330D132-F828-4D4C-9241-EDF7103FACC7}"/>
               </a:ext>
             </a:extLst>
           </p:cNvPr>
@@ -1971,7 +1971,7 @@
           <p:cNvPr id="3" name="Date Placeholder 2">
             <a:extLst>
               <a:ext uri="{FF2B5EF4-FFF2-40B4-BE49-F238E27FC236}">
-                <a16:creationId xmlns="" xmlns:a16="http://schemas.microsoft.com/office/drawing/2014/main" id="{863FF7EB-B9BF-4B69-B354-70AA14250777}"/>
+                <a16:creationId xmlns:a16="http://schemas.microsoft.com/office/drawing/2014/main" xmlns="" id="{863FF7EB-B9BF-4B69-B354-70AA14250777}"/>
               </a:ext>
             </a:extLst>
           </p:cNvPr>
@@ -1989,7 +1989,7 @@
           <a:p>
             <a:fld id="{78C26053-F5DF-45C8-A8CD-E700628807D8}" type="datetimeFigureOut">
               <a:rPr lang="en-US" smtClean="0"/>
-              <a:t>10/14/2019</a:t>
+              <a:t>10/15/2019</a:t>
             </a:fld>
             <a:endParaRPr lang="en-US"/>
           </a:p>
@@ -2000,7 +2000,7 @@
           <p:cNvPr id="4" name="Footer Placeholder 3">
             <a:extLst>
               <a:ext uri="{FF2B5EF4-FFF2-40B4-BE49-F238E27FC236}">
-                <a16:creationId xmlns="" xmlns:a16="http://schemas.microsoft.com/office/drawing/2014/main" id="{80192E1C-09EB-46FF-AB1A-A5FC0BD951EF}"/>
+                <a16:creationId xmlns:a16="http://schemas.microsoft.com/office/drawing/2014/main" xmlns="" id="{80192E1C-09EB-46FF-AB1A-A5FC0BD951EF}"/>
               </a:ext>
             </a:extLst>
           </p:cNvPr>
@@ -2025,7 +2025,7 @@
           <p:cNvPr id="5" name="Slide Number Placeholder 4">
             <a:extLst>
               <a:ext uri="{FF2B5EF4-FFF2-40B4-BE49-F238E27FC236}">
-                <a16:creationId xmlns="" xmlns:a16="http://schemas.microsoft.com/office/drawing/2014/main" id="{B16D8E85-4CA0-4FE2-B741-0E4E3675C731}"/>
+                <a16:creationId xmlns:a16="http://schemas.microsoft.com/office/drawing/2014/main" xmlns="" id="{B16D8E85-4CA0-4FE2-B741-0E4E3675C731}"/>
               </a:ext>
             </a:extLst>
           </p:cNvPr>
@@ -2084,7 +2084,7 @@
           <p:cNvPr id="2" name="Date Placeholder 1">
             <a:extLst>
               <a:ext uri="{FF2B5EF4-FFF2-40B4-BE49-F238E27FC236}">
-                <a16:creationId xmlns="" xmlns:a16="http://schemas.microsoft.com/office/drawing/2014/main" id="{BCD328D7-7FD8-4D89-89AF-CE7C74593821}"/>
+                <a16:creationId xmlns:a16="http://schemas.microsoft.com/office/drawing/2014/main" xmlns="" id="{BCD328D7-7FD8-4D89-89AF-CE7C74593821}"/>
               </a:ext>
             </a:extLst>
           </p:cNvPr>
@@ -2102,7 +2102,7 @@
           <a:p>
             <a:fld id="{78C26053-F5DF-45C8-A8CD-E700628807D8}" type="datetimeFigureOut">
               <a:rPr lang="en-US" smtClean="0"/>
-              <a:t>10/14/2019</a:t>
+              <a:t>10/15/2019</a:t>
             </a:fld>
             <a:endParaRPr lang="en-US"/>
           </a:p>
@@ -2113,7 +2113,7 @@
           <p:cNvPr id="3" name="Footer Placeholder 2">
             <a:extLst>
               <a:ext uri="{FF2B5EF4-FFF2-40B4-BE49-F238E27FC236}">
-                <a16:creationId xmlns="" xmlns:a16="http://schemas.microsoft.com/office/drawing/2014/main" id="{B0DDD9D1-02DE-469A-9B30-AED531664080}"/>
+                <a16:creationId xmlns:a16="http://schemas.microsoft.com/office/drawing/2014/main" xmlns="" id="{B0DDD9D1-02DE-469A-9B30-AED531664080}"/>
               </a:ext>
             </a:extLst>
           </p:cNvPr>
@@ -2138,7 +2138,7 @@
           <p:cNvPr id="4" name="Slide Number Placeholder 3">
             <a:extLst>
               <a:ext uri="{FF2B5EF4-FFF2-40B4-BE49-F238E27FC236}">
-                <a16:creationId xmlns="" xmlns:a16="http://schemas.microsoft.com/office/drawing/2014/main" id="{322E9E83-6AC3-4BDC-84FC-92534880BD56}"/>
+                <a16:creationId xmlns:a16="http://schemas.microsoft.com/office/drawing/2014/main" xmlns="" id="{322E9E83-6AC3-4BDC-84FC-92534880BD56}"/>
               </a:ext>
             </a:extLst>
           </p:cNvPr>
@@ -2197,7 +2197,7 @@
           <p:cNvPr id="2" name="Title 1">
             <a:extLst>
               <a:ext uri="{FF2B5EF4-FFF2-40B4-BE49-F238E27FC236}">
-                <a16:creationId xmlns="" xmlns:a16="http://schemas.microsoft.com/office/drawing/2014/main" id="{4A69E653-F2A1-45ED-9614-3E86269E0305}"/>
+                <a16:creationId xmlns:a16="http://schemas.microsoft.com/office/drawing/2014/main" xmlns="" id="{4A69E653-F2A1-45ED-9614-3E86269E0305}"/>
               </a:ext>
             </a:extLst>
           </p:cNvPr>
@@ -2234,7 +2234,7 @@
           <p:cNvPr id="3" name="Content Placeholder 2">
             <a:extLst>
               <a:ext uri="{FF2B5EF4-FFF2-40B4-BE49-F238E27FC236}">
-                <a16:creationId xmlns="" xmlns:a16="http://schemas.microsoft.com/office/drawing/2014/main" id="{0ACF5697-E529-4E22-8DA0-CE6870CAB2E5}"/>
+                <a16:creationId xmlns:a16="http://schemas.microsoft.com/office/drawing/2014/main" xmlns="" id="{0ACF5697-E529-4E22-8DA0-CE6870CAB2E5}"/>
               </a:ext>
             </a:extLst>
           </p:cNvPr>
@@ -2324,7 +2324,7 @@
           <p:cNvPr id="4" name="Text Placeholder 3">
             <a:extLst>
               <a:ext uri="{FF2B5EF4-FFF2-40B4-BE49-F238E27FC236}">
-                <a16:creationId xmlns="" xmlns:a16="http://schemas.microsoft.com/office/drawing/2014/main" id="{87DCEC02-56A3-44A0-9363-B300BA82F824}"/>
+                <a16:creationId xmlns:a16="http://schemas.microsoft.com/office/drawing/2014/main" xmlns="" id="{87DCEC02-56A3-44A0-9363-B300BA82F824}"/>
               </a:ext>
             </a:extLst>
           </p:cNvPr>
@@ -2395,7 +2395,7 @@
           <p:cNvPr id="5" name="Date Placeholder 4">
             <a:extLst>
               <a:ext uri="{FF2B5EF4-FFF2-40B4-BE49-F238E27FC236}">
-                <a16:creationId xmlns="" xmlns:a16="http://schemas.microsoft.com/office/drawing/2014/main" id="{09A5AB35-A354-4B88-B0E8-DC9CDD8F7CEC}"/>
+                <a16:creationId xmlns:a16="http://schemas.microsoft.com/office/drawing/2014/main" xmlns="" id="{09A5AB35-A354-4B88-B0E8-DC9CDD8F7CEC}"/>
               </a:ext>
             </a:extLst>
           </p:cNvPr>
@@ -2413,7 +2413,7 @@
           <a:p>
             <a:fld id="{78C26053-F5DF-45C8-A8CD-E700628807D8}" type="datetimeFigureOut">
               <a:rPr lang="en-US" smtClean="0"/>
-              <a:t>10/14/2019</a:t>
+              <a:t>10/15/2019</a:t>
             </a:fld>
             <a:endParaRPr lang="en-US"/>
           </a:p>
@@ -2424,7 +2424,7 @@
           <p:cNvPr id="6" name="Footer Placeholder 5">
             <a:extLst>
               <a:ext uri="{FF2B5EF4-FFF2-40B4-BE49-F238E27FC236}">
-                <a16:creationId xmlns="" xmlns:a16="http://schemas.microsoft.com/office/drawing/2014/main" id="{AD6EEB31-D9F4-4A9C-B3C0-F243BAC74FB6}"/>
+                <a16:creationId xmlns:a16="http://schemas.microsoft.com/office/drawing/2014/main" xmlns="" id="{AD6EEB31-D9F4-4A9C-B3C0-F243BAC74FB6}"/>
               </a:ext>
             </a:extLst>
           </p:cNvPr>
@@ -2449,7 +2449,7 @@
           <p:cNvPr id="7" name="Slide Number Placeholder 6">
             <a:extLst>
               <a:ext uri="{FF2B5EF4-FFF2-40B4-BE49-F238E27FC236}">
-                <a16:creationId xmlns="" xmlns:a16="http://schemas.microsoft.com/office/drawing/2014/main" id="{132920CA-D5A1-4279-B8BD-3203012FE8AA}"/>
+                <a16:creationId xmlns:a16="http://schemas.microsoft.com/office/drawing/2014/main" xmlns="" id="{132920CA-D5A1-4279-B8BD-3203012FE8AA}"/>
               </a:ext>
             </a:extLst>
           </p:cNvPr>
@@ -2508,7 +2508,7 @@
           <p:cNvPr id="2" name="Title 1">
             <a:extLst>
               <a:ext uri="{FF2B5EF4-FFF2-40B4-BE49-F238E27FC236}">
-                <a16:creationId xmlns="" xmlns:a16="http://schemas.microsoft.com/office/drawing/2014/main" id="{334504EA-18E6-4CC4-BF8C-2835D6E0506E}"/>
+                <a16:creationId xmlns:a16="http://schemas.microsoft.com/office/drawing/2014/main" xmlns="" id="{334504EA-18E6-4CC4-BF8C-2835D6E0506E}"/>
               </a:ext>
             </a:extLst>
           </p:cNvPr>
@@ -2545,7 +2545,7 @@
           <p:cNvPr id="3" name="Picture Placeholder 2">
             <a:extLst>
               <a:ext uri="{FF2B5EF4-FFF2-40B4-BE49-F238E27FC236}">
-                <a16:creationId xmlns="" xmlns:a16="http://schemas.microsoft.com/office/drawing/2014/main" id="{2C899628-60BD-479B-9359-B2196EC86343}"/>
+                <a16:creationId xmlns:a16="http://schemas.microsoft.com/office/drawing/2014/main" xmlns="" id="{2C899628-60BD-479B-9359-B2196EC86343}"/>
               </a:ext>
             </a:extLst>
           </p:cNvPr>
@@ -2612,7 +2612,7 @@
           <p:cNvPr id="4" name="Text Placeholder 3">
             <a:extLst>
               <a:ext uri="{FF2B5EF4-FFF2-40B4-BE49-F238E27FC236}">
-                <a16:creationId xmlns="" xmlns:a16="http://schemas.microsoft.com/office/drawing/2014/main" id="{6BD30AFE-6F39-46ED-9607-CD81F2E7B18A}"/>
+                <a16:creationId xmlns:a16="http://schemas.microsoft.com/office/drawing/2014/main" xmlns="" id="{6BD30AFE-6F39-46ED-9607-CD81F2E7B18A}"/>
               </a:ext>
             </a:extLst>
           </p:cNvPr>
@@ -2683,7 +2683,7 @@
           <p:cNvPr id="5" name="Date Placeholder 4">
             <a:extLst>
               <a:ext uri="{FF2B5EF4-FFF2-40B4-BE49-F238E27FC236}">
-                <a16:creationId xmlns="" xmlns:a16="http://schemas.microsoft.com/office/drawing/2014/main" id="{4D7F33BC-D879-4939-A14C-B959F63C2EB6}"/>
+                <a16:creationId xmlns:a16="http://schemas.microsoft.com/office/drawing/2014/main" xmlns="" id="{4D7F33BC-D879-4939-A14C-B959F63C2EB6}"/>
               </a:ext>
             </a:extLst>
           </p:cNvPr>
@@ -2701,7 +2701,7 @@
           <a:p>
             <a:fld id="{78C26053-F5DF-45C8-A8CD-E700628807D8}" type="datetimeFigureOut">
               <a:rPr lang="en-US" smtClean="0"/>
-              <a:t>10/14/2019</a:t>
+              <a:t>10/15/2019</a:t>
             </a:fld>
             <a:endParaRPr lang="en-US"/>
           </a:p>
@@ -2712,7 +2712,7 @@
           <p:cNvPr id="6" name="Footer Placeholder 5">
             <a:extLst>
               <a:ext uri="{FF2B5EF4-FFF2-40B4-BE49-F238E27FC236}">
-                <a16:creationId xmlns="" xmlns:a16="http://schemas.microsoft.com/office/drawing/2014/main" id="{8F065AD7-9F02-4BDF-A139-FBC671097E47}"/>
+                <a16:creationId xmlns:a16="http://schemas.microsoft.com/office/drawing/2014/main" xmlns="" id="{8F065AD7-9F02-4BDF-A139-FBC671097E47}"/>
               </a:ext>
             </a:extLst>
           </p:cNvPr>
@@ -2737,7 +2737,7 @@
           <p:cNvPr id="7" name="Slide Number Placeholder 6">
             <a:extLst>
               <a:ext uri="{FF2B5EF4-FFF2-40B4-BE49-F238E27FC236}">
-                <a16:creationId xmlns="" xmlns:a16="http://schemas.microsoft.com/office/drawing/2014/main" id="{472645DE-184E-44AB-ADB0-C1B49FB6C323}"/>
+                <a16:creationId xmlns:a16="http://schemas.microsoft.com/office/drawing/2014/main" xmlns="" id="{472645DE-184E-44AB-ADB0-C1B49FB6C323}"/>
               </a:ext>
             </a:extLst>
           </p:cNvPr>
@@ -2801,7 +2801,7 @@
           <p:cNvPr id="2" name="Title Placeholder 1">
             <a:extLst>
               <a:ext uri="{FF2B5EF4-FFF2-40B4-BE49-F238E27FC236}">
-                <a16:creationId xmlns="" xmlns:a16="http://schemas.microsoft.com/office/drawing/2014/main" id="{6CCC8351-DAEB-4DB2-9AD8-951D915B5634}"/>
+                <a16:creationId xmlns:a16="http://schemas.microsoft.com/office/drawing/2014/main" xmlns="" id="{6CCC8351-DAEB-4DB2-9AD8-951D915B5634}"/>
               </a:ext>
             </a:extLst>
           </p:cNvPr>
@@ -2839,7 +2839,7 @@
           <p:cNvPr id="3" name="Text Placeholder 2">
             <a:extLst>
               <a:ext uri="{FF2B5EF4-FFF2-40B4-BE49-F238E27FC236}">
-                <a16:creationId xmlns="" xmlns:a16="http://schemas.microsoft.com/office/drawing/2014/main" id="{5B437F11-78F8-40BC-BFCF-D08B590373F7}"/>
+                <a16:creationId xmlns:a16="http://schemas.microsoft.com/office/drawing/2014/main" xmlns="" id="{5B437F11-78F8-40BC-BFCF-D08B590373F7}"/>
               </a:ext>
             </a:extLst>
           </p:cNvPr>
@@ -2906,7 +2906,7 @@
           <p:cNvPr id="4" name="Date Placeholder 3">
             <a:extLst>
               <a:ext uri="{FF2B5EF4-FFF2-40B4-BE49-F238E27FC236}">
-                <a16:creationId xmlns="" xmlns:a16="http://schemas.microsoft.com/office/drawing/2014/main" id="{EC9D820D-3BF7-42E6-8E16-FAA3A04F9AE1}"/>
+                <a16:creationId xmlns:a16="http://schemas.microsoft.com/office/drawing/2014/main" xmlns="" id="{EC9D820D-3BF7-42E6-8E16-FAA3A04F9AE1}"/>
               </a:ext>
             </a:extLst>
           </p:cNvPr>
@@ -2942,7 +2942,7 @@
           <a:p>
             <a:fld id="{78C26053-F5DF-45C8-A8CD-E700628807D8}" type="datetimeFigureOut">
               <a:rPr lang="en-US" smtClean="0"/>
-              <a:t>10/14/2019</a:t>
+              <a:t>10/15/2019</a:t>
             </a:fld>
             <a:endParaRPr lang="en-US"/>
           </a:p>
@@ -2953,7 +2953,7 @@
           <p:cNvPr id="5" name="Footer Placeholder 4">
             <a:extLst>
               <a:ext uri="{FF2B5EF4-FFF2-40B4-BE49-F238E27FC236}">
-                <a16:creationId xmlns="" xmlns:a16="http://schemas.microsoft.com/office/drawing/2014/main" id="{07F4AEB0-5F61-4FBD-A8A3-0D40662F84E6}"/>
+                <a16:creationId xmlns:a16="http://schemas.microsoft.com/office/drawing/2014/main" xmlns="" id="{07F4AEB0-5F61-4FBD-A8A3-0D40662F84E6}"/>
               </a:ext>
             </a:extLst>
           </p:cNvPr>
@@ -2996,7 +2996,7 @@
           <p:cNvPr id="6" name="Slide Number Placeholder 5">
             <a:extLst>
               <a:ext uri="{FF2B5EF4-FFF2-40B4-BE49-F238E27FC236}">
-                <a16:creationId xmlns="" xmlns:a16="http://schemas.microsoft.com/office/drawing/2014/main" id="{14F91AE6-F78F-4AF0-B2BA-7D0F9A8A7A36}"/>
+                <a16:creationId xmlns:a16="http://schemas.microsoft.com/office/drawing/2014/main" xmlns="" id="{14F91AE6-F78F-4AF0-B2BA-7D0F9A8A7A36}"/>
               </a:ext>
             </a:extLst>
           </p:cNvPr>
@@ -3364,7 +3364,7 @@
           <p:cNvPr id="2" name="Title 1">
             <a:extLst>
               <a:ext uri="{FF2B5EF4-FFF2-40B4-BE49-F238E27FC236}">
-                <a16:creationId xmlns="" xmlns:a16="http://schemas.microsoft.com/office/drawing/2014/main" id="{ED2709E3-30F0-47B7-BEAA-CE56BC77104A}"/>
+                <a16:creationId xmlns:a16="http://schemas.microsoft.com/office/drawing/2014/main" xmlns="" id="{ED2709E3-30F0-47B7-BEAA-CE56BC77104A}"/>
               </a:ext>
             </a:extLst>
           </p:cNvPr>
@@ -3393,7 +3393,7 @@
           <p:cNvPr id="3" name="Subtitle 2">
             <a:extLst>
               <a:ext uri="{FF2B5EF4-FFF2-40B4-BE49-F238E27FC236}">
-                <a16:creationId xmlns="" xmlns:a16="http://schemas.microsoft.com/office/drawing/2014/main" id="{49EF9798-6EFB-44C4-ABAD-3C36DF142C6C}"/>
+                <a16:creationId xmlns:a16="http://schemas.microsoft.com/office/drawing/2014/main" xmlns="" id="{49EF9798-6EFB-44C4-ABAD-3C36DF142C6C}"/>
               </a:ext>
             </a:extLst>
           </p:cNvPr>
@@ -3458,7 +3458,7 @@
           <p:cNvPr id="2" name="Title 1">
             <a:extLst>
               <a:ext uri="{FF2B5EF4-FFF2-40B4-BE49-F238E27FC236}">
-                <a16:creationId xmlns="" xmlns:a16="http://schemas.microsoft.com/office/drawing/2014/main" id="{CDF3DBB2-77C5-4032-A2A5-1625FB220C1F}"/>
+                <a16:creationId xmlns:a16="http://schemas.microsoft.com/office/drawing/2014/main" xmlns="" id="{CDF3DBB2-77C5-4032-A2A5-1625FB220C1F}"/>
               </a:ext>
             </a:extLst>
           </p:cNvPr>
@@ -3487,7 +3487,7 @@
           <p:cNvPr id="3" name="Content Placeholder 2">
             <a:extLst>
               <a:ext uri="{FF2B5EF4-FFF2-40B4-BE49-F238E27FC236}">
-                <a16:creationId xmlns="" xmlns:a16="http://schemas.microsoft.com/office/drawing/2014/main" id="{DC10934E-E489-4AA7-9AE7-3C769AA26222}"/>
+                <a16:creationId xmlns:a16="http://schemas.microsoft.com/office/drawing/2014/main" xmlns="" id="{DC10934E-E489-4AA7-9AE7-3C769AA26222}"/>
               </a:ext>
             </a:extLst>
           </p:cNvPr>
@@ -3684,7 +3684,7 @@
           <p:cNvPr id="2" name="Title 1">
             <a:extLst>
               <a:ext uri="{FF2B5EF4-FFF2-40B4-BE49-F238E27FC236}">
-                <a16:creationId xmlns="" xmlns:a16="http://schemas.microsoft.com/office/drawing/2014/main" id="{074165D2-8C7D-4AF2-90DF-F3E7F620CD74}"/>
+                <a16:creationId xmlns:a16="http://schemas.microsoft.com/office/drawing/2014/main" xmlns="" id="{074165D2-8C7D-4AF2-90DF-F3E7F620CD74}"/>
               </a:ext>
             </a:extLst>
           </p:cNvPr>
@@ -3713,7 +3713,7 @@
           <p:cNvPr id="3" name="Content Placeholder 2">
             <a:extLst>
               <a:ext uri="{FF2B5EF4-FFF2-40B4-BE49-F238E27FC236}">
-                <a16:creationId xmlns="" xmlns:a16="http://schemas.microsoft.com/office/drawing/2014/main" id="{B8B3DF00-F7DA-44B3-BBA1-912271BC061C}"/>
+                <a16:creationId xmlns:a16="http://schemas.microsoft.com/office/drawing/2014/main" xmlns="" id="{B8B3DF00-F7DA-44B3-BBA1-912271BC061C}"/>
               </a:ext>
             </a:extLst>
           </p:cNvPr>
@@ -3906,7 +3906,7 @@
           <p:cNvPr id="2" name="Title 1">
             <a:extLst>
               <a:ext uri="{FF2B5EF4-FFF2-40B4-BE49-F238E27FC236}">
-                <a16:creationId xmlns="" xmlns:a16="http://schemas.microsoft.com/office/drawing/2014/main" id="{87C987D1-AE78-4C6A-85F4-F1899D7065E3}"/>
+                <a16:creationId xmlns:a16="http://schemas.microsoft.com/office/drawing/2014/main" xmlns="" id="{87C987D1-AE78-4C6A-85F4-F1899D7065E3}"/>
               </a:ext>
             </a:extLst>
           </p:cNvPr>
@@ -4089,7 +4089,7 @@
           <p:cNvPr id="2" name="Title 1">
             <a:extLst>
               <a:ext uri="{FF2B5EF4-FFF2-40B4-BE49-F238E27FC236}">
-                <a16:creationId xmlns="" xmlns:a16="http://schemas.microsoft.com/office/drawing/2014/main" id="{62153034-EAE5-4989-ACCB-E0587B8C5F42}"/>
+                <a16:creationId xmlns:a16="http://schemas.microsoft.com/office/drawing/2014/main" xmlns="" id="{62153034-EAE5-4989-ACCB-E0587B8C5F42}"/>
               </a:ext>
             </a:extLst>
           </p:cNvPr>
@@ -4112,31 +4112,34 @@
           </a:p>
         </p:txBody>
       </p:sp>
-      <p:sp>
-        <p:nvSpPr>
-          <p:cNvPr id="3" name="Content Placeholder 2">
-            <a:extLst>
-              <a:ext uri="{FF2B5EF4-FFF2-40B4-BE49-F238E27FC236}">
-                <a16:creationId xmlns="" xmlns:a16="http://schemas.microsoft.com/office/drawing/2014/main" id="{9DBCF535-4A93-4BA5-AA55-D1C9A084A931}"/>
-              </a:ext>
-            </a:extLst>
-          </p:cNvPr>
-          <p:cNvSpPr>
-            <a:spLocks noGrp="1"/>
-          </p:cNvSpPr>
+      <p:pic>
+        <p:nvPicPr>
+          <p:cNvPr id="6" name="Content Placeholder 5"/>
+          <p:cNvPicPr>
+            <a:picLocks noGrp="1" noChangeAspect="1"/>
+          </p:cNvPicPr>
           <p:nvPr>
             <p:ph idx="1"/>
           </p:nvPr>
-        </p:nvSpPr>
-        <p:spPr/>
-        <p:txBody>
-          <a:bodyPr/>
-          <a:lstStyle/>
-          <a:p>
-            <a:endParaRPr lang="en-US" dirty="0"/>
-          </a:p>
-        </p:txBody>
-      </p:sp>
+        </p:nvPicPr>
+        <p:blipFill rotWithShape="1">
+          <a:blip r:embed="rId2">
+            <a:extLst>
+              <a:ext uri="{28A0092B-C50C-407E-A947-70E740481C1C}">
+                <a14:useLocalDpi xmlns:a14="http://schemas.microsoft.com/office/drawing/2010/main" val="0"/>
+              </a:ext>
+            </a:extLst>
+          </a:blip>
+          <a:srcRect b="28671"/>
+          <a:stretch/>
+        </p:blipFill>
+        <p:spPr>
+          <a:xfrm>
+            <a:off x="1005979" y="1397787"/>
+            <a:ext cx="6032383" cy="4810066"/>
+          </a:xfrm>
+        </p:spPr>
+      </p:pic>
     </p:spTree>
     <p:extLst>
       <p:ext uri="{BB962C8B-B14F-4D97-AF65-F5344CB8AC3E}">
@@ -4172,7 +4175,7 @@
           <p:cNvPr id="2" name="Title 1">
             <a:extLst>
               <a:ext uri="{FF2B5EF4-FFF2-40B4-BE49-F238E27FC236}">
-                <a16:creationId xmlns="" xmlns:a16="http://schemas.microsoft.com/office/drawing/2014/main" id="{5FC6859F-06EA-4C56-8903-FA4E741C4955}"/>
+                <a16:creationId xmlns:a16="http://schemas.microsoft.com/office/drawing/2014/main" xmlns="" id="{5FC6859F-06EA-4C56-8903-FA4E741C4955}"/>
               </a:ext>
             </a:extLst>
           </p:cNvPr>
@@ -4200,7 +4203,7 @@
           <p:cNvPr id="3" name="Content Placeholder 2">
             <a:extLst>
               <a:ext uri="{FF2B5EF4-FFF2-40B4-BE49-F238E27FC236}">
-                <a16:creationId xmlns="" xmlns:a16="http://schemas.microsoft.com/office/drawing/2014/main" id="{80BCC0E3-804A-4BAC-807B-3B3092B7297F}"/>
+                <a16:creationId xmlns:a16="http://schemas.microsoft.com/office/drawing/2014/main" xmlns="" id="{80BCC0E3-804A-4BAC-807B-3B3092B7297F}"/>
               </a:ext>
             </a:extLst>
           </p:cNvPr>
@@ -4255,7 +4258,7 @@
           <p:cNvPr id="2" name="Title 1">
             <a:extLst>
               <a:ext uri="{FF2B5EF4-FFF2-40B4-BE49-F238E27FC236}">
-                <a16:creationId xmlns="" xmlns:a16="http://schemas.microsoft.com/office/drawing/2014/main" id="{45EAEC25-DFE0-4C3E-B48E-D361FE6E10A8}"/>
+                <a16:creationId xmlns:a16="http://schemas.microsoft.com/office/drawing/2014/main" xmlns="" id="{45EAEC25-DFE0-4C3E-B48E-D361FE6E10A8}"/>
               </a:ext>
             </a:extLst>
           </p:cNvPr>
@@ -4300,7 +4303,7 @@
           <p:cNvPr id="3" name="Content Placeholder 2">
             <a:extLst>
               <a:ext uri="{FF2B5EF4-FFF2-40B4-BE49-F238E27FC236}">
-                <a16:creationId xmlns="" xmlns:a16="http://schemas.microsoft.com/office/drawing/2014/main" id="{0ED9FC5A-2EDC-47DC-AA94-49EC17FA4A07}"/>
+                <a16:creationId xmlns:a16="http://schemas.microsoft.com/office/drawing/2014/main" xmlns="" id="{0ED9FC5A-2EDC-47DC-AA94-49EC17FA4A07}"/>
               </a:ext>
             </a:extLst>
           </p:cNvPr>
@@ -4359,7 +4362,7 @@
           <p:cNvPr id="2" name="Title 1">
             <a:extLst>
               <a:ext uri="{FF2B5EF4-FFF2-40B4-BE49-F238E27FC236}">
-                <a16:creationId xmlns="" xmlns:a16="http://schemas.microsoft.com/office/drawing/2014/main" id="{6AF6C4D3-9325-42A1-81F9-31A65007375E}"/>
+                <a16:creationId xmlns:a16="http://schemas.microsoft.com/office/drawing/2014/main" xmlns="" id="{6AF6C4D3-9325-42A1-81F9-31A65007375E}"/>
               </a:ext>
             </a:extLst>
           </p:cNvPr>
@@ -4387,7 +4390,7 @@
           <p:cNvPr id="3" name="Content Placeholder 2">
             <a:extLst>
               <a:ext uri="{FF2B5EF4-FFF2-40B4-BE49-F238E27FC236}">
-                <a16:creationId xmlns="" xmlns:a16="http://schemas.microsoft.com/office/drawing/2014/main" id="{3883021C-EC77-4D6B-9F53-8F238A390842}"/>
+                <a16:creationId xmlns:a16="http://schemas.microsoft.com/office/drawing/2014/main" xmlns="" id="{3883021C-EC77-4D6B-9F53-8F238A390842}"/>
               </a:ext>
             </a:extLst>
           </p:cNvPr>
